--- a/BTM-definition.pptx
+++ b/BTM-definition.pptx
@@ -115,7 +115,7 @@
 <file path=ppt/revisionInfo.xml><?xml version="1.0" encoding="utf-8"?>
 <p1510:revInfo xmlns:a="http://schemas.openxmlformats.org/drawingml/2006/main" xmlns:r="http://schemas.openxmlformats.org/officeDocument/2006/relationships" xmlns:p1510="http://schemas.microsoft.com/office/powerpoint/2015/10/main">
   <p1510:revLst>
-    <p1510:client id="{3641CD42-70E8-4468-AEA1-198D0B9E38E6}" v="4" dt="2023-04-25T01:36:51.149"/>
+    <p1510:client id="{3641CD42-70E8-4468-AEA1-198D0B9E38E6}" v="5" dt="2023-04-25T01:44:07.990"/>
   </p1510:revLst>
 </p1510:revInfo>
 </file>
@@ -125,12 +125,12 @@
   <pc:docChgLst>
     <pc:chgData name="Gagnon, Stéphane" userId="9fed0eaa-63ea-498e-b796-a081aa3cdc9d" providerId="ADAL" clId="{3641CD42-70E8-4468-AEA1-198D0B9E38E6}"/>
     <pc:docChg chg="undo custSel modSld">
-      <pc:chgData name="Gagnon, Stéphane" userId="9fed0eaa-63ea-498e-b796-a081aa3cdc9d" providerId="ADAL" clId="{3641CD42-70E8-4468-AEA1-198D0B9E38E6}" dt="2023-04-25T01:40:20.386" v="971" actId="1076"/>
+      <pc:chgData name="Gagnon, Stéphane" userId="9fed0eaa-63ea-498e-b796-a081aa3cdc9d" providerId="ADAL" clId="{3641CD42-70E8-4468-AEA1-198D0B9E38E6}" dt="2023-04-25T01:46:18.686" v="1002" actId="14100"/>
       <pc:docMkLst>
         <pc:docMk/>
       </pc:docMkLst>
-      <pc:sldChg chg="addSp modSp mod">
-        <pc:chgData name="Gagnon, Stéphane" userId="9fed0eaa-63ea-498e-b796-a081aa3cdc9d" providerId="ADAL" clId="{3641CD42-70E8-4468-AEA1-198D0B9E38E6}" dt="2023-04-25T01:40:20.386" v="971" actId="1076"/>
+      <pc:sldChg chg="addSp delSp modSp mod">
+        <pc:chgData name="Gagnon, Stéphane" userId="9fed0eaa-63ea-498e-b796-a081aa3cdc9d" providerId="ADAL" clId="{3641CD42-70E8-4468-AEA1-198D0B9E38E6}" dt="2023-04-25T01:46:18.686" v="1002" actId="14100"/>
         <pc:sldMkLst>
           <pc:docMk/>
           <pc:sldMk cId="1272805419" sldId="256"/>
@@ -151,8 +151,8 @@
             <ac:spMk id="5" creationId="{A6F2F61A-B38D-AEF9-2AE7-6B69C3EE60F0}"/>
           </ac:spMkLst>
         </pc:spChg>
-        <pc:spChg chg="mod">
-          <ac:chgData name="Gagnon, Stéphane" userId="9fed0eaa-63ea-498e-b796-a081aa3cdc9d" providerId="ADAL" clId="{3641CD42-70E8-4468-AEA1-198D0B9E38E6}" dt="2023-04-25T01:40:20.386" v="971" actId="1076"/>
+        <pc:spChg chg="add del mod">
+          <ac:chgData name="Gagnon, Stéphane" userId="9fed0eaa-63ea-498e-b796-a081aa3cdc9d" providerId="ADAL" clId="{3641CD42-70E8-4468-AEA1-198D0B9E38E6}" dt="2023-04-25T01:45:32.297" v="993" actId="1076"/>
           <ac:spMkLst>
             <pc:docMk/>
             <pc:sldMk cId="1272805419" sldId="256"/>
@@ -200,7 +200,7 @@
           </ac:spMkLst>
         </pc:spChg>
         <pc:spChg chg="mod">
-          <ac:chgData name="Gagnon, Stéphane" userId="9fed0eaa-63ea-498e-b796-a081aa3cdc9d" providerId="ADAL" clId="{3641CD42-70E8-4468-AEA1-198D0B9E38E6}" dt="2023-04-25T01:40:20.386" v="971" actId="1076"/>
+          <ac:chgData name="Gagnon, Stéphane" userId="9fed0eaa-63ea-498e-b796-a081aa3cdc9d" providerId="ADAL" clId="{3641CD42-70E8-4468-AEA1-198D0B9E38E6}" dt="2023-04-25T01:43:55.381" v="973" actId="1076"/>
           <ac:spMkLst>
             <pc:docMk/>
             <pc:sldMk cId="1272805419" sldId="256"/>
@@ -232,7 +232,7 @@
           </ac:spMkLst>
         </pc:spChg>
         <pc:spChg chg="mod">
-          <ac:chgData name="Gagnon, Stéphane" userId="9fed0eaa-63ea-498e-b796-a081aa3cdc9d" providerId="ADAL" clId="{3641CD42-70E8-4468-AEA1-198D0B9E38E6}" dt="2023-04-25T01:40:20.386" v="971" actId="1076"/>
+          <ac:chgData name="Gagnon, Stéphane" userId="9fed0eaa-63ea-498e-b796-a081aa3cdc9d" providerId="ADAL" clId="{3641CD42-70E8-4468-AEA1-198D0B9E38E6}" dt="2023-04-25T01:44:13.693" v="979" actId="1076"/>
           <ac:spMkLst>
             <pc:docMk/>
             <pc:sldMk cId="1272805419" sldId="256"/>
@@ -240,7 +240,7 @@
           </ac:spMkLst>
         </pc:spChg>
         <pc:spChg chg="mod">
-          <ac:chgData name="Gagnon, Stéphane" userId="9fed0eaa-63ea-498e-b796-a081aa3cdc9d" providerId="ADAL" clId="{3641CD42-70E8-4468-AEA1-198D0B9E38E6}" dt="2023-04-25T01:40:20.386" v="971" actId="1076"/>
+          <ac:chgData name="Gagnon, Stéphane" userId="9fed0eaa-63ea-498e-b796-a081aa3cdc9d" providerId="ADAL" clId="{3641CD42-70E8-4468-AEA1-198D0B9E38E6}" dt="2023-04-25T01:43:59.701" v="974" actId="1076"/>
           <ac:spMkLst>
             <pc:docMk/>
             <pc:sldMk cId="1272805419" sldId="256"/>
@@ -248,7 +248,7 @@
           </ac:spMkLst>
         </pc:spChg>
         <pc:spChg chg="mod">
-          <ac:chgData name="Gagnon, Stéphane" userId="9fed0eaa-63ea-498e-b796-a081aa3cdc9d" providerId="ADAL" clId="{3641CD42-70E8-4468-AEA1-198D0B9E38E6}" dt="2023-04-25T01:40:20.386" v="971" actId="1076"/>
+          <ac:chgData name="Gagnon, Stéphane" userId="9fed0eaa-63ea-498e-b796-a081aa3cdc9d" providerId="ADAL" clId="{3641CD42-70E8-4468-AEA1-198D0B9E38E6}" dt="2023-04-25T01:45:04.509" v="984" actId="1076"/>
           <ac:spMkLst>
             <pc:docMk/>
             <pc:sldMk cId="1272805419" sldId="256"/>
@@ -256,7 +256,7 @@
           </ac:spMkLst>
         </pc:spChg>
         <pc:spChg chg="mod">
-          <ac:chgData name="Gagnon, Stéphane" userId="9fed0eaa-63ea-498e-b796-a081aa3cdc9d" providerId="ADAL" clId="{3641CD42-70E8-4468-AEA1-198D0B9E38E6}" dt="2023-04-25T01:40:20.386" v="971" actId="1076"/>
+          <ac:chgData name="Gagnon, Stéphane" userId="9fed0eaa-63ea-498e-b796-a081aa3cdc9d" providerId="ADAL" clId="{3641CD42-70E8-4468-AEA1-198D0B9E38E6}" dt="2023-04-25T01:45:10.901" v="985" actId="1076"/>
           <ac:spMkLst>
             <pc:docMk/>
             <pc:sldMk cId="1272805419" sldId="256"/>
@@ -280,7 +280,7 @@
           </ac:spMkLst>
         </pc:spChg>
         <pc:spChg chg="mod">
-          <ac:chgData name="Gagnon, Stéphane" userId="9fed0eaa-63ea-498e-b796-a081aa3cdc9d" providerId="ADAL" clId="{3641CD42-70E8-4468-AEA1-198D0B9E38E6}" dt="2023-04-25T01:40:20.386" v="971" actId="1076"/>
+          <ac:chgData name="Gagnon, Stéphane" userId="9fed0eaa-63ea-498e-b796-a081aa3cdc9d" providerId="ADAL" clId="{3641CD42-70E8-4468-AEA1-198D0B9E38E6}" dt="2023-04-25T01:44:24.863" v="982" actId="1076"/>
           <ac:spMkLst>
             <pc:docMk/>
             <pc:sldMk cId="1272805419" sldId="256"/>
@@ -296,7 +296,7 @@
           </ac:spMkLst>
         </pc:spChg>
         <pc:spChg chg="add mod">
-          <ac:chgData name="Gagnon, Stéphane" userId="9fed0eaa-63ea-498e-b796-a081aa3cdc9d" providerId="ADAL" clId="{3641CD42-70E8-4468-AEA1-198D0B9E38E6}" dt="2023-04-25T01:40:20.386" v="971" actId="1076"/>
+          <ac:chgData name="Gagnon, Stéphane" userId="9fed0eaa-63ea-498e-b796-a081aa3cdc9d" providerId="ADAL" clId="{3641CD42-70E8-4468-AEA1-198D0B9E38E6}" dt="2023-04-25T01:45:45.946" v="997" actId="1076"/>
           <ac:spMkLst>
             <pc:docMk/>
             <pc:sldMk cId="1272805419" sldId="256"/>
@@ -352,7 +352,7 @@
           </ac:spMkLst>
         </pc:spChg>
         <pc:spChg chg="mod">
-          <ac:chgData name="Gagnon, Stéphane" userId="9fed0eaa-63ea-498e-b796-a081aa3cdc9d" providerId="ADAL" clId="{3641CD42-70E8-4468-AEA1-198D0B9E38E6}" dt="2023-04-25T01:40:20.386" v="971" actId="1076"/>
+          <ac:chgData name="Gagnon, Stéphane" userId="9fed0eaa-63ea-498e-b796-a081aa3cdc9d" providerId="ADAL" clId="{3641CD42-70E8-4468-AEA1-198D0B9E38E6}" dt="2023-04-25T01:45:01.716" v="983" actId="1076"/>
           <ac:spMkLst>
             <pc:docMk/>
             <pc:sldMk cId="1272805419" sldId="256"/>
@@ -392,15 +392,15 @@
           </ac:spMkLst>
         </pc:spChg>
         <pc:spChg chg="mod">
-          <ac:chgData name="Gagnon, Stéphane" userId="9fed0eaa-63ea-498e-b796-a081aa3cdc9d" providerId="ADAL" clId="{3641CD42-70E8-4468-AEA1-198D0B9E38E6}" dt="2023-04-25T01:40:20.386" v="971" actId="1076"/>
+          <ac:chgData name="Gagnon, Stéphane" userId="9fed0eaa-63ea-498e-b796-a081aa3cdc9d" providerId="ADAL" clId="{3641CD42-70E8-4468-AEA1-198D0B9E38E6}" dt="2023-04-25T01:45:43.090" v="996" actId="1076"/>
           <ac:spMkLst>
             <pc:docMk/>
             <pc:sldMk cId="1272805419" sldId="256"/>
             <ac:spMk id="71" creationId="{41A00CAB-52A1-4826-22B9-83535EA5FE57}"/>
           </ac:spMkLst>
         </pc:spChg>
-        <pc:spChg chg="mod">
-          <ac:chgData name="Gagnon, Stéphane" userId="9fed0eaa-63ea-498e-b796-a081aa3cdc9d" providerId="ADAL" clId="{3641CD42-70E8-4468-AEA1-198D0B9E38E6}" dt="2023-04-25T01:40:20.386" v="971" actId="1076"/>
+        <pc:spChg chg="del mod">
+          <ac:chgData name="Gagnon, Stéphane" userId="9fed0eaa-63ea-498e-b796-a081aa3cdc9d" providerId="ADAL" clId="{3641CD42-70E8-4468-AEA1-198D0B9E38E6}" dt="2023-04-25T01:45:13.648" v="986" actId="478"/>
           <ac:spMkLst>
             <pc:docMk/>
             <pc:sldMk cId="1272805419" sldId="256"/>
@@ -408,7 +408,7 @@
           </ac:spMkLst>
         </pc:spChg>
         <pc:spChg chg="mod">
-          <ac:chgData name="Gagnon, Stéphane" userId="9fed0eaa-63ea-498e-b796-a081aa3cdc9d" providerId="ADAL" clId="{3641CD42-70E8-4468-AEA1-198D0B9E38E6}" dt="2023-04-25T01:40:20.386" v="971" actId="1076"/>
+          <ac:chgData name="Gagnon, Stéphane" userId="9fed0eaa-63ea-498e-b796-a081aa3cdc9d" providerId="ADAL" clId="{3641CD42-70E8-4468-AEA1-198D0B9E38E6}" dt="2023-04-25T01:46:01.829" v="1001" actId="14100"/>
           <ac:spMkLst>
             <pc:docMk/>
             <pc:sldMk cId="1272805419" sldId="256"/>
@@ -424,7 +424,7 @@
           </ac:spMkLst>
         </pc:spChg>
         <pc:spChg chg="mod">
-          <ac:chgData name="Gagnon, Stéphane" userId="9fed0eaa-63ea-498e-b796-a081aa3cdc9d" providerId="ADAL" clId="{3641CD42-70E8-4468-AEA1-198D0B9E38E6}" dt="2023-04-25T01:40:20.386" v="971" actId="1076"/>
+          <ac:chgData name="Gagnon, Stéphane" userId="9fed0eaa-63ea-498e-b796-a081aa3cdc9d" providerId="ADAL" clId="{3641CD42-70E8-4468-AEA1-198D0B9E38E6}" dt="2023-04-25T01:45:36.165" v="994" actId="1076"/>
           <ac:spMkLst>
             <pc:docMk/>
             <pc:sldMk cId="1272805419" sldId="256"/>
@@ -440,7 +440,7 @@
           </ac:spMkLst>
         </pc:spChg>
         <pc:cxnChg chg="add mod">
-          <ac:chgData name="Gagnon, Stéphane" userId="9fed0eaa-63ea-498e-b796-a081aa3cdc9d" providerId="ADAL" clId="{3641CD42-70E8-4468-AEA1-198D0B9E38E6}" dt="2023-04-25T01:40:20.386" v="971" actId="1076"/>
+          <ac:chgData name="Gagnon, Stéphane" userId="9fed0eaa-63ea-498e-b796-a081aa3cdc9d" providerId="ADAL" clId="{3641CD42-70E8-4468-AEA1-198D0B9E38E6}" dt="2023-04-25T01:46:01.829" v="1001" actId="14100"/>
           <ac:cxnSpMkLst>
             <pc:docMk/>
             <pc:sldMk cId="1272805419" sldId="256"/>
@@ -448,7 +448,15 @@
           </ac:cxnSpMkLst>
         </pc:cxnChg>
         <pc:cxnChg chg="add mod">
-          <ac:chgData name="Gagnon, Stéphane" userId="9fed0eaa-63ea-498e-b796-a081aa3cdc9d" providerId="ADAL" clId="{3641CD42-70E8-4468-AEA1-198D0B9E38E6}" dt="2023-04-25T01:40:20.386" v="971" actId="1076"/>
+          <ac:chgData name="Gagnon, Stéphane" userId="9fed0eaa-63ea-498e-b796-a081aa3cdc9d" providerId="ADAL" clId="{3641CD42-70E8-4468-AEA1-198D0B9E38E6}" dt="2023-04-25T01:44:24.863" v="982" actId="1076"/>
+          <ac:cxnSpMkLst>
+            <pc:docMk/>
+            <pc:sldMk cId="1272805419" sldId="256"/>
+            <ac:cxnSpMk id="26" creationId="{B8F60FDA-8D63-000F-627A-312BF08EA052}"/>
+          </ac:cxnSpMkLst>
+        </pc:cxnChg>
+        <pc:cxnChg chg="add mod">
+          <ac:chgData name="Gagnon, Stéphane" userId="9fed0eaa-63ea-498e-b796-a081aa3cdc9d" providerId="ADAL" clId="{3641CD42-70E8-4468-AEA1-198D0B9E38E6}" dt="2023-04-25T01:45:45.946" v="997" actId="1076"/>
           <ac:cxnSpMkLst>
             <pc:docMk/>
             <pc:sldMk cId="1272805419" sldId="256"/>
@@ -456,7 +464,7 @@
           </ac:cxnSpMkLst>
         </pc:cxnChg>
         <pc:cxnChg chg="mod">
-          <ac:chgData name="Gagnon, Stéphane" userId="9fed0eaa-63ea-498e-b796-a081aa3cdc9d" providerId="ADAL" clId="{3641CD42-70E8-4468-AEA1-198D0B9E38E6}" dt="2023-04-25T01:40:20.386" v="971" actId="1076"/>
+          <ac:chgData name="Gagnon, Stéphane" userId="9fed0eaa-63ea-498e-b796-a081aa3cdc9d" providerId="ADAL" clId="{3641CD42-70E8-4468-AEA1-198D0B9E38E6}" dt="2023-04-25T01:45:10.901" v="985" actId="1076"/>
           <ac:cxnSpMkLst>
             <pc:docMk/>
             <pc:sldMk cId="1272805419" sldId="256"/>
@@ -464,7 +472,7 @@
           </ac:cxnSpMkLst>
         </pc:cxnChg>
         <pc:cxnChg chg="mod">
-          <ac:chgData name="Gagnon, Stéphane" userId="9fed0eaa-63ea-498e-b796-a081aa3cdc9d" providerId="ADAL" clId="{3641CD42-70E8-4468-AEA1-198D0B9E38E6}" dt="2023-04-25T01:40:20.386" v="971" actId="1076"/>
+          <ac:chgData name="Gagnon, Stéphane" userId="9fed0eaa-63ea-498e-b796-a081aa3cdc9d" providerId="ADAL" clId="{3641CD42-70E8-4468-AEA1-198D0B9E38E6}" dt="2023-04-25T01:44:24.863" v="982" actId="1076"/>
           <ac:cxnSpMkLst>
             <pc:docMk/>
             <pc:sldMk cId="1272805419" sldId="256"/>
@@ -472,7 +480,7 @@
           </ac:cxnSpMkLst>
         </pc:cxnChg>
         <pc:cxnChg chg="mod">
-          <ac:chgData name="Gagnon, Stéphane" userId="9fed0eaa-63ea-498e-b796-a081aa3cdc9d" providerId="ADAL" clId="{3641CD42-70E8-4468-AEA1-198D0B9E38E6}" dt="2023-04-25T01:40:20.386" v="971" actId="1076"/>
+          <ac:chgData name="Gagnon, Stéphane" userId="9fed0eaa-63ea-498e-b796-a081aa3cdc9d" providerId="ADAL" clId="{3641CD42-70E8-4468-AEA1-198D0B9E38E6}" dt="2023-04-25T01:44:13.693" v="979" actId="1076"/>
           <ac:cxnSpMkLst>
             <pc:docMk/>
             <pc:sldMk cId="1272805419" sldId="256"/>
@@ -488,7 +496,7 @@
           </ac:cxnSpMkLst>
         </pc:cxnChg>
         <pc:cxnChg chg="mod">
-          <ac:chgData name="Gagnon, Stéphane" userId="9fed0eaa-63ea-498e-b796-a081aa3cdc9d" providerId="ADAL" clId="{3641CD42-70E8-4468-AEA1-198D0B9E38E6}" dt="2023-04-25T01:40:20.386" v="971" actId="1076"/>
+          <ac:chgData name="Gagnon, Stéphane" userId="9fed0eaa-63ea-498e-b796-a081aa3cdc9d" providerId="ADAL" clId="{3641CD42-70E8-4468-AEA1-198D0B9E38E6}" dt="2023-04-25T01:46:18.686" v="1002" actId="14100"/>
           <ac:cxnSpMkLst>
             <pc:docMk/>
             <pc:sldMk cId="1272805419" sldId="256"/>
@@ -4430,7 +4438,7 @@
         </p:nvSpPr>
         <p:spPr>
           <a:xfrm>
-            <a:off x="1300657" y="3118266"/>
+            <a:off x="1601148" y="2902609"/>
             <a:ext cx="1368425" cy="369332"/>
           </a:xfrm>
           <a:prstGeom prst="rect">
@@ -4470,7 +4478,7 @@
         </p:nvSpPr>
         <p:spPr>
           <a:xfrm>
-            <a:off x="400203" y="3991573"/>
+            <a:off x="1048494" y="4325220"/>
             <a:ext cx="1368425" cy="369332"/>
           </a:xfrm>
           <a:prstGeom prst="rect">
@@ -4510,7 +4518,7 @@
         </p:nvSpPr>
         <p:spPr>
           <a:xfrm>
-            <a:off x="9228002" y="4358602"/>
+            <a:off x="9900718" y="4332749"/>
             <a:ext cx="1648104" cy="646331"/>
           </a:xfrm>
           <a:prstGeom prst="rect">
@@ -4550,7 +4558,7 @@
         </p:nvSpPr>
         <p:spPr>
           <a:xfrm>
-            <a:off x="9659335" y="3908701"/>
+            <a:off x="8896905" y="4606682"/>
             <a:ext cx="1368425" cy="369332"/>
           </a:xfrm>
           <a:prstGeom prst="rect">
@@ -4771,8 +4779,8 @@
         </p:nvSpPr>
         <p:spPr>
           <a:xfrm>
-            <a:off x="4795807" y="3028665"/>
-            <a:ext cx="1368425" cy="369332"/>
+            <a:off x="4688836" y="3012291"/>
+            <a:ext cx="1116219" cy="369332"/>
           </a:xfrm>
           <a:prstGeom prst="rect">
             <a:avLst/>
@@ -4946,7 +4954,7 @@
         <p:spPr>
           <a:xfrm>
             <a:off x="9284306" y="3210501"/>
-            <a:ext cx="1059242" cy="698200"/>
+            <a:ext cx="296812" cy="1396181"/>
           </a:xfrm>
           <a:prstGeom prst="line">
             <a:avLst/>
@@ -4990,8 +4998,8 @@
         </p:nvCxnSpPr>
         <p:spPr>
           <a:xfrm flipH="1">
-            <a:off x="5480020" y="2197761"/>
-            <a:ext cx="689967" cy="830904"/>
+            <a:off x="5246946" y="2197761"/>
+            <a:ext cx="923041" cy="814530"/>
           </a:xfrm>
           <a:prstGeom prst="line">
             <a:avLst/>
@@ -5035,8 +5043,8 @@
         </p:nvCxnSpPr>
         <p:spPr>
           <a:xfrm flipH="1">
-            <a:off x="1084416" y="3487598"/>
-            <a:ext cx="900454" cy="503975"/>
+            <a:off x="1732707" y="3271941"/>
+            <a:ext cx="552654" cy="1053279"/>
           </a:xfrm>
           <a:prstGeom prst="line">
             <a:avLst/>
@@ -5456,7 +5464,7 @@
         </p:nvSpPr>
         <p:spPr>
           <a:xfrm>
-            <a:off x="10742801" y="4493050"/>
+            <a:off x="11367899" y="4497619"/>
             <a:ext cx="313457" cy="304717"/>
           </a:xfrm>
           <a:prstGeom prst="ellipse">
@@ -5692,7 +5700,7 @@
         </p:nvSpPr>
         <p:spPr>
           <a:xfrm>
-            <a:off x="9464152" y="5207566"/>
+            <a:off x="9731292" y="5285903"/>
             <a:ext cx="1817709" cy="646331"/>
           </a:xfrm>
           <a:prstGeom prst="rect">
@@ -5721,10 +5729,10 @@
       </p:sp>
       <p:sp>
         <p:nvSpPr>
-          <p:cNvPr id="73" name="TextBox 72">
-            <a:extLst>
-              <a:ext uri="{FF2B5EF4-FFF2-40B4-BE49-F238E27FC236}">
-                <a16:creationId xmlns:a16="http://schemas.microsoft.com/office/drawing/2014/main" id="{77DFCA69-77B2-2456-6AEA-5CDB37E2FBCC}"/>
+          <p:cNvPr id="74" name="TextBox 73">
+            <a:extLst>
+              <a:ext uri="{FF2B5EF4-FFF2-40B4-BE49-F238E27FC236}">
+                <a16:creationId xmlns:a16="http://schemas.microsoft.com/office/drawing/2014/main" id="{1B3EA997-A0FF-0615-205B-41B635AC490E}"/>
               </a:ext>
             </a:extLst>
           </p:cNvPr>
@@ -5733,48 +5741,8 @@
         </p:nvSpPr>
         <p:spPr>
           <a:xfrm>
-            <a:off x="8160489" y="6172657"/>
-            <a:ext cx="1368425" cy="369332"/>
-          </a:xfrm>
-          <a:prstGeom prst="rect">
-            <a:avLst/>
-          </a:prstGeom>
-          <a:noFill/>
-        </p:spPr>
-        <p:txBody>
-          <a:bodyPr wrap="square" rtlCol="0">
-            <a:spAutoFit/>
-          </a:bodyPr>
-          <a:lstStyle/>
-          <a:p>
-            <a:pPr algn="ctr"/>
-            <a:r>
-              <a:rPr lang="en-CA" b="1" dirty="0">
-                <a:solidFill>
-                  <a:srgbClr val="FF0000"/>
-                </a:solidFill>
-              </a:rPr>
-              <a:t>Computing</a:t>
-            </a:r>
-          </a:p>
-        </p:txBody>
-      </p:sp>
-      <p:sp>
-        <p:nvSpPr>
-          <p:cNvPr id="74" name="TextBox 73">
-            <a:extLst>
-              <a:ext uri="{FF2B5EF4-FFF2-40B4-BE49-F238E27FC236}">
-                <a16:creationId xmlns:a16="http://schemas.microsoft.com/office/drawing/2014/main" id="{1B3EA997-A0FF-0615-205B-41B635AC490E}"/>
-              </a:ext>
-            </a:extLst>
-          </p:cNvPr>
-          <p:cNvSpPr txBox="1"/>
-          <p:nvPr/>
-        </p:nvSpPr>
-        <p:spPr>
-          <a:xfrm>
-            <a:off x="7205549" y="5499583"/>
-            <a:ext cx="1368425" cy="369332"/>
+            <a:off x="7452460" y="5499583"/>
+            <a:ext cx="809796" cy="369332"/>
           </a:xfrm>
           <a:prstGeom prst="rect">
             <a:avLst/>
@@ -5810,15 +5778,15 @@
           </p:cNvPr>
           <p:cNvCxnSpPr>
             <a:cxnSpLocks/>
-            <a:stCxn id="74" idx="2"/>
-            <a:endCxn id="73" idx="0"/>
+            <a:stCxn id="74" idx="3"/>
+            <a:endCxn id="20" idx="2"/>
           </p:cNvCxnSpPr>
           <p:nvPr/>
         </p:nvCxnSpPr>
         <p:spPr>
-          <a:xfrm>
-            <a:off x="7889762" y="5868915"/>
-            <a:ext cx="954940" cy="303742"/>
+          <a:xfrm flipV="1">
+            <a:off x="8262256" y="4976014"/>
+            <a:ext cx="1318862" cy="708235"/>
           </a:xfrm>
           <a:prstGeom prst="line">
             <a:avLst/>
@@ -5953,7 +5921,7 @@
         </p:nvSpPr>
         <p:spPr>
           <a:xfrm>
-            <a:off x="10934521" y="5194866"/>
+            <a:off x="11211170" y="5299773"/>
             <a:ext cx="313457" cy="304717"/>
           </a:xfrm>
           <a:prstGeom prst="ellipse">
@@ -6134,7 +6102,7 @@
         <p:spPr>
           <a:xfrm flipH="1" flipV="1">
             <a:off x="6183122" y="4976014"/>
-            <a:ext cx="1706640" cy="523569"/>
+            <a:ext cx="1674236" cy="523569"/>
           </a:xfrm>
           <a:prstGeom prst="line">
             <a:avLst/>
@@ -6174,7 +6142,7 @@
         </p:nvSpPr>
         <p:spPr>
           <a:xfrm>
-            <a:off x="9725462" y="5824491"/>
+            <a:off x="9679473" y="5925067"/>
             <a:ext cx="1368425" cy="369332"/>
           </a:xfrm>
           <a:prstGeom prst="rect">
@@ -6212,14 +6180,59 @@
           <p:cNvCxnSpPr>
             <a:cxnSpLocks/>
             <a:stCxn id="27" idx="1"/>
-            <a:endCxn id="73" idx="0"/>
+            <a:endCxn id="20" idx="2"/>
           </p:cNvCxnSpPr>
           <p:nvPr/>
         </p:nvCxnSpPr>
         <p:spPr>
-          <a:xfrm flipH="1">
-            <a:off x="8844702" y="6009157"/>
-            <a:ext cx="880760" cy="163500"/>
+          <a:xfrm flipH="1" flipV="1">
+            <a:off x="9581118" y="4976014"/>
+            <a:ext cx="98355" cy="1133719"/>
+          </a:xfrm>
+          <a:prstGeom prst="line">
+            <a:avLst/>
+          </a:prstGeom>
+          <a:ln w="76200">
+            <a:solidFill>
+              <a:srgbClr val="FFFF00"/>
+            </a:solidFill>
+          </a:ln>
+        </p:spPr>
+        <p:style>
+          <a:lnRef idx="1">
+            <a:schemeClr val="accent1"/>
+          </a:lnRef>
+          <a:fillRef idx="0">
+            <a:schemeClr val="accent1"/>
+          </a:fillRef>
+          <a:effectRef idx="0">
+            <a:schemeClr val="accent1"/>
+          </a:effectRef>
+          <a:fontRef idx="minor">
+            <a:schemeClr val="tx1"/>
+          </a:fontRef>
+        </p:style>
+      </p:cxnSp>
+      <p:cxnSp>
+        <p:nvCxnSpPr>
+          <p:cNvPr id="26" name="Straight Connector 25">
+            <a:extLst>
+              <a:ext uri="{FF2B5EF4-FFF2-40B4-BE49-F238E27FC236}">
+                <a16:creationId xmlns:a16="http://schemas.microsoft.com/office/drawing/2014/main" id="{B8F60FDA-8D63-000F-627A-312BF08EA052}"/>
+              </a:ext>
+            </a:extLst>
+          </p:cNvPr>
+          <p:cNvCxnSpPr>
+            <a:cxnSpLocks/>
+            <a:stCxn id="17" idx="3"/>
+            <a:endCxn id="23" idx="1"/>
+          </p:cNvCxnSpPr>
+          <p:nvPr/>
+        </p:nvCxnSpPr>
+        <p:spPr>
+          <a:xfrm>
+            <a:off x="2969573" y="3087275"/>
+            <a:ext cx="1719263" cy="109682"/>
           </a:xfrm>
           <a:prstGeom prst="line">
             <a:avLst/>
